--- a/Architecture.pptx
+++ b/Architecture.pptx
@@ -3418,7 +3418,7 @@
             <a:pPr algn="ctr"/>
             <a:r>
               <a:rPr lang="en-US" dirty="0"/>
-              <a:t>Availability Zone eu-west-1a</a:t>
+              <a:t>Availability Zone eu-west-2a</a:t>
             </a:r>
           </a:p>
         </p:txBody>
@@ -3467,8 +3467,13 @@
             <a:pPr algn="ctr"/>
             <a:r>
               <a:rPr lang="en-US" dirty="0"/>
-              <a:t>Availability Zone eu-west-1b</a:t>
-            </a:r>
+              <a:t>Availability </a:t>
+            </a:r>
+            <a:r>
+              <a:rPr lang="en-US"/>
+              <a:t>Zone eu-west-2b</a:t>
+            </a:r>
+            <a:endParaRPr lang="en-US" dirty="0"/>
           </a:p>
         </p:txBody>
       </p:sp>

--- a/Architecture.pptx
+++ b/Architecture.pptx
@@ -3335,8 +3335,8 @@
         </p:nvSpPr>
         <p:spPr>
           <a:xfrm>
-            <a:off x="2057401" y="1243013"/>
-            <a:ext cx="8415337" cy="4800600"/>
+            <a:off x="842963" y="1243013"/>
+            <a:ext cx="9629776" cy="4800600"/>
           </a:xfrm>
           <a:prstGeom prst="rect">
             <a:avLst/>
@@ -3372,6 +3372,12 @@
               <a:t>VPC</a:t>
             </a:r>
           </a:p>
+          <a:p>
+            <a:r>
+              <a:rPr lang="en-US" dirty="0"/>
+              <a:t>CIDR: 10.0.0.0/16</a:t>
+            </a:r>
+          </a:p>
         </p:txBody>
       </p:sp>
       <p:sp>
@@ -3467,13 +3473,8 @@
             <a:pPr algn="ctr"/>
             <a:r>
               <a:rPr lang="en-US" dirty="0"/>
-              <a:t>Availability </a:t>
-            </a:r>
-            <a:r>
-              <a:rPr lang="en-US"/>
-              <a:t>Zone eu-west-2b</a:t>
-            </a:r>
-            <a:endParaRPr lang="en-US" dirty="0"/>
+              <a:t>Availability Zone eu-west-2b</a:t>
+            </a:r>
           </a:p>
         </p:txBody>
       </p:sp>
@@ -3849,8 +3850,8 @@
         </p:nvSpPr>
         <p:spPr>
           <a:xfrm>
-            <a:off x="3529013" y="2400300"/>
-            <a:ext cx="5934074" cy="971551"/>
+            <a:off x="3529013" y="2085974"/>
+            <a:ext cx="5934074" cy="1285877"/>
           </a:xfrm>
           <a:prstGeom prst="rect">
             <a:avLst/>
@@ -3901,8 +3902,8 @@
         </p:nvSpPr>
         <p:spPr>
           <a:xfrm>
-            <a:off x="3800475" y="2871788"/>
-            <a:ext cx="2000249" cy="371474"/>
+            <a:off x="3800475" y="2500312"/>
+            <a:ext cx="2000249" cy="742950"/>
           </a:xfrm>
           <a:prstGeom prst="rect">
             <a:avLst/>
@@ -3930,8 +3931,31 @@
           <a:p>
             <a:pPr algn="ctr"/>
             <a:r>
+              <a:rPr lang="en-US" dirty="0" err="1"/>
+              <a:t>fp</a:t>
+            </a:r>
+            <a:r>
               <a:rPr lang="en-US" dirty="0"/>
-              <a:t>Abdullahi-cm-flask</a:t>
+              <a:t>-</a:t>
+            </a:r>
+            <a:r>
+              <a:rPr lang="en-US" dirty="0" err="1"/>
+              <a:t>ecs</a:t>
+            </a:r>
+            <a:r>
+              <a:rPr lang="en-US" dirty="0"/>
+              <a:t>-task:</a:t>
+            </a:r>
+          </a:p>
+          <a:p>
+            <a:pPr algn="ctr"/>
+            <a:r>
+              <a:rPr lang="en-US" dirty="0" err="1"/>
+              <a:t>abdullahi</a:t>
+            </a:r>
+            <a:r>
+              <a:rPr lang="en-US" dirty="0"/>
+              <a:t>-cm-flask</a:t>
             </a:r>
           </a:p>
         </p:txBody>
@@ -3950,8 +3974,8 @@
         </p:nvSpPr>
         <p:spPr>
           <a:xfrm>
-            <a:off x="7167563" y="2838451"/>
-            <a:ext cx="2000249" cy="371474"/>
+            <a:off x="7167563" y="2500312"/>
+            <a:ext cx="2000249" cy="709613"/>
           </a:xfrm>
           <a:prstGeom prst="rect">
             <a:avLst/>
@@ -3979,8 +4003,31 @@
           <a:p>
             <a:pPr algn="ctr"/>
             <a:r>
+              <a:rPr lang="en-US" dirty="0" err="1"/>
+              <a:t>fp</a:t>
+            </a:r>
+            <a:r>
               <a:rPr lang="en-US" dirty="0"/>
-              <a:t>Abdullahi-cm-flask</a:t>
+              <a:t>-</a:t>
+            </a:r>
+            <a:r>
+              <a:rPr lang="en-US" dirty="0" err="1"/>
+              <a:t>ecs</a:t>
+            </a:r>
+            <a:r>
+              <a:rPr lang="en-US" dirty="0"/>
+              <a:t>-task:</a:t>
+            </a:r>
+          </a:p>
+          <a:p>
+            <a:pPr algn="ctr"/>
+            <a:r>
+              <a:rPr lang="en-US" dirty="0" err="1"/>
+              <a:t>abdullahi</a:t>
+            </a:r>
+            <a:r>
+              <a:rPr lang="en-US" dirty="0"/>
+              <a:t>-cm-flask</a:t>
             </a:r>
           </a:p>
         </p:txBody>
